--- a/report/Presentation/Slide LVTN - part 1,2.pptx
+++ b/report/Presentation/Slide LVTN - part 1,2.pptx
@@ -12899,16 +12899,12 @@
               <a:t> </a:t>
             </a:r>
             <a:r>
-              <a:rPr lang="en-US" baseline="0" dirty="0" err="1" smtClean="0"/>
-              <a:t>cũng</a:t>
-            </a:r>
-            <a:r>
-              <a:rPr lang="en-US" baseline="0" dirty="0" smtClean="0"/>
-              <a:t> </a:t>
-            </a:r>
-            <a:r>
-              <a:rPr lang="en-US" baseline="0" dirty="0" err="1" smtClean="0"/>
-              <a:t>như</a:t>
+              <a:rPr lang="en-US" baseline="0" dirty="0" smtClean="0"/>
+              <a:t>qua </a:t>
+            </a:r>
+            <a:r>
+              <a:rPr lang="en-US" baseline="0" dirty="0" err="1" smtClean="0"/>
+              <a:t>đó</a:t>
             </a:r>
             <a:r>
               <a:rPr lang="en-US" baseline="0" dirty="0" smtClean="0"/>
@@ -13051,7 +13047,7 @@
             </a:r>
             <a:r>
               <a:rPr lang="en-US" baseline="0" dirty="0" err="1" smtClean="0"/>
-              <a:t>dụng</a:t>
+              <a:t>dụ</a:t>
             </a:r>
             <a:r>
               <a:rPr lang="en-US" baseline="0" dirty="0" smtClean="0"/>
